--- a/Documents/スロー数字手裏剣企画書_20210101.pptx
+++ b/Documents/スロー数字手裏剣企画書_20210101.pptx
@@ -1728,7 +1728,7 @@
           <a:p>
             <a:fld id="{87B4BFB9-8C25-44DE-AB65-6DA8431077A3}" type="datetimeFigureOut">
               <a:rPr kumimoji="1" lang="ja-JP" altLang="en-US" smtClean="0"/>
-              <a:t>2020/12/31</a:t>
+              <a:t>2021/8/6</a:t>
             </a:fld>
             <a:endParaRPr kumimoji="1" lang="ja-JP" altLang="en-US"/>
           </a:p>
@@ -2594,7 +2594,7 @@
           <a:p>
             <a:fld id="{EEFBDFF8-4DDA-4272-ABD5-7A73720B2A08}" type="datetimeFigureOut">
               <a:rPr kumimoji="1" lang="ja-JP" altLang="en-US" smtClean="0"/>
-              <a:t>2020/12/31</a:t>
+              <a:t>2021/8/6</a:t>
             </a:fld>
             <a:endParaRPr kumimoji="1" lang="ja-JP" altLang="en-US"/>
           </a:p>
@@ -2824,7 +2824,7 @@
           <a:p>
             <a:fld id="{EEFBDFF8-4DDA-4272-ABD5-7A73720B2A08}" type="datetimeFigureOut">
               <a:rPr kumimoji="1" lang="ja-JP" altLang="en-US" smtClean="0"/>
-              <a:t>2020/12/31</a:t>
+              <a:t>2021/8/6</a:t>
             </a:fld>
             <a:endParaRPr kumimoji="1" lang="ja-JP" altLang="en-US"/>
           </a:p>
@@ -3064,7 +3064,7 @@
           <a:p>
             <a:fld id="{EEFBDFF8-4DDA-4272-ABD5-7A73720B2A08}" type="datetimeFigureOut">
               <a:rPr kumimoji="1" lang="ja-JP" altLang="en-US" smtClean="0"/>
-              <a:t>2020/12/31</a:t>
+              <a:t>2021/8/6</a:t>
             </a:fld>
             <a:endParaRPr kumimoji="1" lang="ja-JP" altLang="en-US"/>
           </a:p>
@@ -3294,7 +3294,7 @@
           <a:p>
             <a:fld id="{EEFBDFF8-4DDA-4272-ABD5-7A73720B2A08}" type="datetimeFigureOut">
               <a:rPr kumimoji="1" lang="ja-JP" altLang="en-US" smtClean="0"/>
-              <a:t>2020/12/31</a:t>
+              <a:t>2021/8/6</a:t>
             </a:fld>
             <a:endParaRPr kumimoji="1" lang="ja-JP" altLang="en-US"/>
           </a:p>
@@ -3569,7 +3569,7 @@
           <a:p>
             <a:fld id="{EEFBDFF8-4DDA-4272-ABD5-7A73720B2A08}" type="datetimeFigureOut">
               <a:rPr kumimoji="1" lang="ja-JP" altLang="en-US" smtClean="0"/>
-              <a:t>2020/12/31</a:t>
+              <a:t>2021/8/6</a:t>
             </a:fld>
             <a:endParaRPr kumimoji="1" lang="ja-JP" altLang="en-US"/>
           </a:p>
@@ -3898,7 +3898,7 @@
           <a:p>
             <a:fld id="{EEFBDFF8-4DDA-4272-ABD5-7A73720B2A08}" type="datetimeFigureOut">
               <a:rPr kumimoji="1" lang="ja-JP" altLang="en-US" smtClean="0"/>
-              <a:t>2020/12/31</a:t>
+              <a:t>2021/8/6</a:t>
             </a:fld>
             <a:endParaRPr kumimoji="1" lang="ja-JP" altLang="en-US"/>
           </a:p>
@@ -4374,7 +4374,7 @@
           <a:p>
             <a:fld id="{EEFBDFF8-4DDA-4272-ABD5-7A73720B2A08}" type="datetimeFigureOut">
               <a:rPr kumimoji="1" lang="ja-JP" altLang="en-US" smtClean="0"/>
-              <a:t>2020/12/31</a:t>
+              <a:t>2021/8/6</a:t>
             </a:fld>
             <a:endParaRPr kumimoji="1" lang="ja-JP" altLang="en-US"/>
           </a:p>
@@ -4515,7 +4515,7 @@
           <a:p>
             <a:fld id="{EEFBDFF8-4DDA-4272-ABD5-7A73720B2A08}" type="datetimeFigureOut">
               <a:rPr kumimoji="1" lang="ja-JP" altLang="en-US" smtClean="0"/>
-              <a:t>2020/12/31</a:t>
+              <a:t>2021/8/6</a:t>
             </a:fld>
             <a:endParaRPr kumimoji="1" lang="ja-JP" altLang="en-US"/>
           </a:p>
@@ -4628,7 +4628,7 @@
           <a:p>
             <a:fld id="{EEFBDFF8-4DDA-4272-ABD5-7A73720B2A08}" type="datetimeFigureOut">
               <a:rPr kumimoji="1" lang="ja-JP" altLang="en-US" smtClean="0"/>
-              <a:t>2020/12/31</a:t>
+              <a:t>2021/8/6</a:t>
             </a:fld>
             <a:endParaRPr kumimoji="1" lang="ja-JP" altLang="en-US"/>
           </a:p>
@@ -4971,7 +4971,7 @@
           <a:p>
             <a:fld id="{EEFBDFF8-4DDA-4272-ABD5-7A73720B2A08}" type="datetimeFigureOut">
               <a:rPr kumimoji="1" lang="ja-JP" altLang="en-US" smtClean="0"/>
-              <a:t>2020/12/31</a:t>
+              <a:t>2021/8/6</a:t>
             </a:fld>
             <a:endParaRPr kumimoji="1" lang="ja-JP" altLang="en-US"/>
           </a:p>
@@ -5259,7 +5259,7 @@
           <a:p>
             <a:fld id="{EEFBDFF8-4DDA-4272-ABD5-7A73720B2A08}" type="datetimeFigureOut">
               <a:rPr kumimoji="1" lang="ja-JP" altLang="en-US" smtClean="0"/>
-              <a:t>2020/12/31</a:t>
+              <a:t>2021/8/6</a:t>
             </a:fld>
             <a:endParaRPr kumimoji="1" lang="ja-JP" altLang="en-US"/>
           </a:p>
@@ -5532,7 +5532,7 @@
           <a:p>
             <a:fld id="{EEFBDFF8-4DDA-4272-ABD5-7A73720B2A08}" type="datetimeFigureOut">
               <a:rPr kumimoji="1" lang="ja-JP" altLang="en-US" smtClean="0"/>
-              <a:t>2020/12/31</a:t>
+              <a:t>2021/8/6</a:t>
             </a:fld>
             <a:endParaRPr kumimoji="1" lang="ja-JP" altLang="en-US"/>
           </a:p>
@@ -15026,8 +15026,8 @@
           </a:p>
           <a:p>
             <a:r>
-              <a:rPr lang="ja-JP" altLang="en-US" dirty="0"/>
-              <a:t>ダメージを受けたら</a:t>
+              <a:rPr kumimoji="1" lang="ja-JP" altLang="en-US"/>
+              <a:t>敵手裏剣に自分手裏剣が当たったら吹っ飛ばす演出</a:t>
             </a:r>
             <a:endParaRPr kumimoji="1" lang="ja-JP" altLang="en-US" dirty="0"/>
           </a:p>
